--- a/PowerPoint/themes/theme10/tort.pptx
+++ b/PowerPoint/themes/theme10/tort.pptx
@@ -7,7 +7,7 @@
   <p:sldIdLst>
     <p:sldId id="256" r:id="rId2"/>
   </p:sldIdLst>
-  <p:sldSz cx="9144000" cy="6858000" type="screen4x3"/>
+  <p:sldSz cx="9144000" cy="5143500" type="screen16x9"/>
   <p:notesSz cx="6858000" cy="9144000"/>
   <p:defaultTextStyle>
     <a:defPPr>
@@ -108,7 +108,7 @@
 </file>
 
 <file path=ppt/slideLayouts/slideLayout1.xml><?xml version="1.0" encoding="utf-8"?>
-<p:sldLayout xmlns:a="http://schemas.openxmlformats.org/drawingml/2006/main" xmlns:r="http://schemas.openxmlformats.org/officeDocument/2006/relationships" xmlns:p="http://schemas.openxmlformats.org/presentationml/2006/main" type="title" showMasterSp="0" preserve="1" userDrawn="1">
+<p:sldLayout xmlns:a="http://schemas.openxmlformats.org/drawingml/2006/main" xmlns:r="http://schemas.openxmlformats.org/officeDocument/2006/relationships" xmlns:p="http://schemas.openxmlformats.org/presentationml/2006/main" showMasterSp="0" type="title" preserve="1" userDrawn="1">
   <p:cSld name="Титульный слайд">
     <p:spTree>
       <p:nvGrpSpPr>
@@ -134,8 +134,8 @@
         </p:nvSpPr>
         <p:spPr>
           <a:xfrm>
-            <a:off x="1797050" y="2291400"/>
-            <a:ext cx="4089400" cy="4165116"/>
+            <a:off x="1797050" y="1718551"/>
+            <a:ext cx="4089400" cy="3123837"/>
           </a:xfrm>
           <a:custGeom>
             <a:avLst/>
@@ -257,8 +257,8 @@
         </p:nvSpPr>
         <p:spPr>
           <a:xfrm>
-            <a:off x="982133" y="1839833"/>
-            <a:ext cx="3008841" cy="1314325"/>
+            <a:off x="982136" y="1379876"/>
+            <a:ext cx="3008841" cy="985744"/>
           </a:xfrm>
           <a:custGeom>
             <a:avLst/>
@@ -348,8 +348,8 @@
         </p:nvSpPr>
         <p:spPr>
           <a:xfrm>
-            <a:off x="4925271" y="4644945"/>
-            <a:ext cx="4046643" cy="2231708"/>
+            <a:off x="4925274" y="3471850"/>
+            <a:ext cx="4046643" cy="1673781"/>
           </a:xfrm>
           <a:custGeom>
             <a:avLst/>
@@ -434,8 +434,8 @@
         </p:nvSpPr>
         <p:spPr>
           <a:xfrm>
-            <a:off x="291888" y="6080000"/>
-            <a:ext cx="3726391" cy="760000"/>
+            <a:off x="291891" y="4575581"/>
+            <a:ext cx="3726391" cy="570000"/>
           </a:xfrm>
           <a:custGeom>
             <a:avLst/>
@@ -512,8 +512,8 @@
         </p:nvSpPr>
         <p:spPr>
           <a:xfrm>
-            <a:off x="0" y="3254700"/>
-            <a:ext cx="1574800" cy="3343683"/>
+            <a:off x="0" y="2441026"/>
+            <a:ext cx="1574800" cy="2507762"/>
           </a:xfrm>
           <a:custGeom>
             <a:avLst/>
@@ -592,8 +592,8 @@
         </p:nvSpPr>
         <p:spPr>
           <a:xfrm>
-            <a:off x="3491880" y="2708920"/>
-            <a:ext cx="5040560" cy="720080"/>
+            <a:off x="3491880" y="2031690"/>
+            <a:ext cx="5040560" cy="540060"/>
           </a:xfrm>
         </p:spPr>
         <p:txBody>
@@ -717,7 +717,7 @@
           <a:p>
             <a:fld id="{A69D51E0-3758-456B-809F-07B187805C7D}" type="datetimeFigureOut">
               <a:rPr lang="ru-RU" smtClean="0"/>
-              <a:t>30.11.2012</a:t>
+              <a:t>22.10.2013</a:t>
             </a:fld>
             <a:endParaRPr lang="ru-RU"/>
           </a:p>
@@ -777,8 +777,8 @@
         </p:nvSpPr>
         <p:spPr>
           <a:xfrm>
-            <a:off x="3446875" y="1808820"/>
-            <a:ext cx="5040560" cy="720080"/>
+            <a:off x="3446875" y="1356615"/>
+            <a:ext cx="5040560" cy="540060"/>
           </a:xfrm>
         </p:spPr>
         <p:txBody>
@@ -919,7 +919,7 @@
           <a:p>
             <a:fld id="{A69D51E0-3758-456B-809F-07B187805C7D}" type="datetimeFigureOut">
               <a:rPr lang="ru-RU" smtClean="0"/>
-              <a:t>30.11.2012</a:t>
+              <a:t>22.10.2013</a:t>
             </a:fld>
             <a:endParaRPr lang="ru-RU"/>
           </a:p>
@@ -1009,8 +1009,8 @@
         </p:nvSpPr>
         <p:spPr>
           <a:xfrm>
-            <a:off x="6629400" y="274638"/>
-            <a:ext cx="2057400" cy="5851525"/>
+            <a:off x="6629400" y="205980"/>
+            <a:ext cx="2057400" cy="4388644"/>
           </a:xfrm>
         </p:spPr>
         <p:txBody>
@@ -1041,8 +1041,8 @@
         </p:nvSpPr>
         <p:spPr>
           <a:xfrm>
-            <a:off x="457200" y="274638"/>
-            <a:ext cx="6019800" cy="5851525"/>
+            <a:off x="457200" y="205980"/>
+            <a:ext cx="6019800" cy="4388644"/>
           </a:xfrm>
         </p:spPr>
         <p:txBody>
@@ -1103,7 +1103,7 @@
           <a:p>
             <a:fld id="{A69D51E0-3758-456B-809F-07B187805C7D}" type="datetimeFigureOut">
               <a:rPr lang="ru-RU" smtClean="0"/>
-              <a:t>30.11.2012</a:t>
+              <a:t>22.10.2013</a:t>
             </a:fld>
             <a:endParaRPr lang="ru-RU"/>
           </a:p>
@@ -1273,7 +1273,7 @@
           <a:p>
             <a:fld id="{A69D51E0-3758-456B-809F-07B187805C7D}" type="datetimeFigureOut">
               <a:rPr lang="ru-RU" smtClean="0"/>
-              <a:t>30.11.2012</a:t>
+              <a:t>22.10.2013</a:t>
             </a:fld>
             <a:endParaRPr lang="ru-RU"/>
           </a:p>
@@ -1363,8 +1363,8 @@
         </p:nvSpPr>
         <p:spPr>
           <a:xfrm>
-            <a:off x="722313" y="4406900"/>
-            <a:ext cx="7772400" cy="1362075"/>
+            <a:off x="722313" y="3305176"/>
+            <a:ext cx="7772400" cy="1021556"/>
           </a:xfrm>
         </p:spPr>
         <p:txBody>
@@ -1395,8 +1395,8 @@
         </p:nvSpPr>
         <p:spPr>
           <a:xfrm>
-            <a:off x="722313" y="2906713"/>
-            <a:ext cx="7772400" cy="1500187"/>
+            <a:off x="722313" y="2180035"/>
+            <a:ext cx="7772400" cy="1125140"/>
           </a:xfrm>
         </p:spPr>
         <p:txBody>
@@ -1519,7 +1519,7 @@
           <a:p>
             <a:fld id="{A69D51E0-3758-456B-809F-07B187805C7D}" type="datetimeFigureOut">
               <a:rPr lang="ru-RU" smtClean="0"/>
-              <a:t>30.11.2012</a:t>
+              <a:t>22.10.2013</a:t>
             </a:fld>
             <a:endParaRPr lang="ru-RU"/>
           </a:p>
@@ -1632,8 +1632,8 @@
         </p:nvSpPr>
         <p:spPr>
           <a:xfrm>
-            <a:off x="457200" y="1600200"/>
-            <a:ext cx="4038600" cy="4525963"/>
+            <a:off x="457200" y="1200151"/>
+            <a:ext cx="4038600" cy="3394472"/>
           </a:xfrm>
         </p:spPr>
         <p:txBody>
@@ -1717,8 +1717,8 @@
         </p:nvSpPr>
         <p:spPr>
           <a:xfrm>
-            <a:off x="4648200" y="1600200"/>
-            <a:ext cx="4038600" cy="4525963"/>
+            <a:off x="4648200" y="1200151"/>
+            <a:ext cx="4038600" cy="3394472"/>
           </a:xfrm>
         </p:spPr>
         <p:txBody>
@@ -1807,7 +1807,7 @@
           <a:p>
             <a:fld id="{A69D51E0-3758-456B-809F-07B187805C7D}" type="datetimeFigureOut">
               <a:rPr lang="ru-RU" smtClean="0"/>
-              <a:t>30.11.2012</a:t>
+              <a:t>22.10.2013</a:t>
             </a:fld>
             <a:endParaRPr lang="ru-RU"/>
           </a:p>
@@ -1924,8 +1924,8 @@
         </p:nvSpPr>
         <p:spPr>
           <a:xfrm>
-            <a:off x="457200" y="1535113"/>
-            <a:ext cx="4040188" cy="639762"/>
+            <a:off x="457200" y="1151335"/>
+            <a:ext cx="4040188" cy="479822"/>
           </a:xfrm>
         </p:spPr>
         <p:txBody>
@@ -1989,8 +1989,8 @@
         </p:nvSpPr>
         <p:spPr>
           <a:xfrm>
-            <a:off x="457200" y="2174875"/>
-            <a:ext cx="4040188" cy="3951288"/>
+            <a:off x="457200" y="1631156"/>
+            <a:ext cx="4040188" cy="2963466"/>
           </a:xfrm>
         </p:spPr>
         <p:txBody>
@@ -2074,8 +2074,8 @@
         </p:nvSpPr>
         <p:spPr>
           <a:xfrm>
-            <a:off x="4645025" y="1535113"/>
-            <a:ext cx="4041775" cy="639762"/>
+            <a:off x="4645028" y="1151335"/>
+            <a:ext cx="4041775" cy="479822"/>
           </a:xfrm>
         </p:spPr>
         <p:txBody>
@@ -2139,8 +2139,8 @@
         </p:nvSpPr>
         <p:spPr>
           <a:xfrm>
-            <a:off x="4645025" y="2174875"/>
-            <a:ext cx="4041775" cy="3951288"/>
+            <a:off x="4645028" y="1631156"/>
+            <a:ext cx="4041775" cy="2963466"/>
           </a:xfrm>
         </p:spPr>
         <p:txBody>
@@ -2229,7 +2229,7 @@
           <a:p>
             <a:fld id="{A69D51E0-3758-456B-809F-07B187805C7D}" type="datetimeFigureOut">
               <a:rPr lang="ru-RU" smtClean="0"/>
-              <a:t>30.11.2012</a:t>
+              <a:t>22.10.2013</a:t>
             </a:fld>
             <a:endParaRPr lang="ru-RU"/>
           </a:p>
@@ -2347,7 +2347,7 @@
           <a:p>
             <a:fld id="{A69D51E0-3758-456B-809F-07B187805C7D}" type="datetimeFigureOut">
               <a:rPr lang="ru-RU" smtClean="0"/>
-              <a:t>30.11.2012</a:t>
+              <a:t>22.10.2013</a:t>
             </a:fld>
             <a:endParaRPr lang="ru-RU"/>
           </a:p>
@@ -2442,7 +2442,7 @@
           <a:p>
             <a:fld id="{A69D51E0-3758-456B-809F-07B187805C7D}" type="datetimeFigureOut">
               <a:rPr lang="ru-RU" smtClean="0"/>
-              <a:t>30.11.2012</a:t>
+              <a:t>22.10.2013</a:t>
             </a:fld>
             <a:endParaRPr lang="ru-RU"/>
           </a:p>
@@ -2532,8 +2532,8 @@
         </p:nvSpPr>
         <p:spPr>
           <a:xfrm>
-            <a:off x="457200" y="273050"/>
-            <a:ext cx="3008313" cy="1162050"/>
+            <a:off x="457203" y="204787"/>
+            <a:ext cx="3008313" cy="871538"/>
           </a:xfrm>
         </p:spPr>
         <p:txBody>
@@ -2564,8 +2564,8 @@
         </p:nvSpPr>
         <p:spPr>
           <a:xfrm>
-            <a:off x="3575050" y="273050"/>
-            <a:ext cx="5111750" cy="5853113"/>
+            <a:off x="3575050" y="204789"/>
+            <a:ext cx="5111750" cy="4389835"/>
           </a:xfrm>
         </p:spPr>
         <p:txBody>
@@ -2649,8 +2649,8 @@
         </p:nvSpPr>
         <p:spPr>
           <a:xfrm>
-            <a:off x="457200" y="1435100"/>
-            <a:ext cx="3008313" cy="4691063"/>
+            <a:off x="457203" y="1076327"/>
+            <a:ext cx="3008313" cy="3518297"/>
           </a:xfrm>
         </p:spPr>
         <p:txBody>
@@ -2719,7 +2719,7 @@
           <a:p>
             <a:fld id="{A69D51E0-3758-456B-809F-07B187805C7D}" type="datetimeFigureOut">
               <a:rPr lang="ru-RU" smtClean="0"/>
-              <a:t>30.11.2012</a:t>
+              <a:t>22.10.2013</a:t>
             </a:fld>
             <a:endParaRPr lang="ru-RU"/>
           </a:p>
@@ -2809,8 +2809,8 @@
         </p:nvSpPr>
         <p:spPr>
           <a:xfrm>
-            <a:off x="1792288" y="4800600"/>
-            <a:ext cx="5486400" cy="566738"/>
+            <a:off x="1792288" y="3600451"/>
+            <a:ext cx="5486400" cy="425054"/>
           </a:xfrm>
         </p:spPr>
         <p:txBody>
@@ -2841,8 +2841,8 @@
         </p:nvSpPr>
         <p:spPr>
           <a:xfrm>
-            <a:off x="1792288" y="612775"/>
-            <a:ext cx="5486400" cy="4114800"/>
+            <a:off x="1792288" y="459581"/>
+            <a:ext cx="5486400" cy="3086100"/>
           </a:xfrm>
         </p:spPr>
         <p:txBody>
@@ -2902,8 +2902,8 @@
         </p:nvSpPr>
         <p:spPr>
           <a:xfrm>
-            <a:off x="1792288" y="5367338"/>
-            <a:ext cx="5486400" cy="804862"/>
+            <a:off x="1792288" y="4025504"/>
+            <a:ext cx="5486400" cy="603647"/>
           </a:xfrm>
         </p:spPr>
         <p:txBody>
@@ -2972,7 +2972,7 @@
           <a:p>
             <a:fld id="{A69D51E0-3758-456B-809F-07B187805C7D}" type="datetimeFigureOut">
               <a:rPr lang="ru-RU" smtClean="0"/>
-              <a:t>30.11.2012</a:t>
+              <a:t>22.10.2013</a:t>
             </a:fld>
             <a:endParaRPr lang="ru-RU"/>
           </a:p>
@@ -3065,8 +3065,8 @@
         </p:nvSpPr>
         <p:spPr>
           <a:xfrm>
-            <a:off x="3732530" y="0"/>
-            <a:ext cx="2293620" cy="893791"/>
+            <a:off x="3732530" y="2"/>
+            <a:ext cx="2293620" cy="670343"/>
           </a:xfrm>
           <a:custGeom>
             <a:avLst/>
@@ -3143,8 +3143,8 @@
         </p:nvSpPr>
         <p:spPr>
           <a:xfrm>
-            <a:off x="28575" y="0"/>
-            <a:ext cx="1049655" cy="1797558"/>
+            <a:off x="-18510" y="1"/>
+            <a:ext cx="1049655" cy="1348169"/>
           </a:xfrm>
           <a:custGeom>
             <a:avLst/>
@@ -3224,8 +3224,8 @@
         </p:nvSpPr>
         <p:spPr>
           <a:xfrm>
-            <a:off x="1228090" y="0"/>
-            <a:ext cx="2879725" cy="2609650"/>
+            <a:off x="1228093" y="1"/>
+            <a:ext cx="2879725" cy="1957238"/>
           </a:xfrm>
           <a:custGeom>
             <a:avLst/>
@@ -3344,8 +3344,8 @@
         </p:nvSpPr>
         <p:spPr>
           <a:xfrm>
-            <a:off x="457200" y="274638"/>
-            <a:ext cx="8229600" cy="1143000"/>
+            <a:off x="457200" y="205979"/>
+            <a:ext cx="8229600" cy="857250"/>
           </a:xfrm>
           <a:prstGeom prst="rect">
             <a:avLst/>
@@ -3377,8 +3377,8 @@
         </p:nvSpPr>
         <p:spPr>
           <a:xfrm>
-            <a:off x="457200" y="1600200"/>
-            <a:ext cx="8229600" cy="4525963"/>
+            <a:off x="457200" y="1200151"/>
+            <a:ext cx="8229600" cy="3394472"/>
           </a:xfrm>
           <a:prstGeom prst="rect">
             <a:avLst/>
@@ -3439,8 +3439,8 @@
         </p:nvSpPr>
         <p:spPr>
           <a:xfrm>
-            <a:off x="457200" y="6356350"/>
-            <a:ext cx="2133600" cy="365125"/>
+            <a:off x="457200" y="4767264"/>
+            <a:ext cx="2133600" cy="273844"/>
           </a:xfrm>
           <a:prstGeom prst="rect">
             <a:avLst/>
@@ -3462,7 +3462,7 @@
           <a:p>
             <a:fld id="{A69D51E0-3758-456B-809F-07B187805C7D}" type="datetimeFigureOut">
               <a:rPr lang="ru-RU" smtClean="0"/>
-              <a:t>30.11.2012</a:t>
+              <a:t>22.10.2013</a:t>
             </a:fld>
             <a:endParaRPr lang="ru-RU"/>
           </a:p>
@@ -3480,8 +3480,8 @@
         </p:nvSpPr>
         <p:spPr>
           <a:xfrm>
-            <a:off x="3124200" y="6356350"/>
-            <a:ext cx="2895600" cy="365125"/>
+            <a:off x="3124200" y="4767264"/>
+            <a:ext cx="2895600" cy="273844"/>
           </a:xfrm>
           <a:prstGeom prst="rect">
             <a:avLst/>
@@ -3517,8 +3517,8 @@
         </p:nvSpPr>
         <p:spPr>
           <a:xfrm>
-            <a:off x="6553200" y="6356350"/>
-            <a:ext cx="2133600" cy="365125"/>
+            <a:off x="6553200" y="4767264"/>
+            <a:ext cx="2133600" cy="273844"/>
           </a:xfrm>
           <a:prstGeom prst="rect">
             <a:avLst/>
@@ -3867,7 +3867,9 @@
         </p:nvSpPr>
         <p:spPr/>
         <p:txBody>
-          <a:bodyPr/>
+          <a:bodyPr>
+            <a:normAutofit lnSpcReduction="10000"/>
+          </a:bodyPr>
           <a:lstStyle/>
           <a:p>
             <a:endParaRPr lang="ru-RU"/>

--- a/PowerPoint/themes/theme10/tort.pptx
+++ b/PowerPoint/themes/theme10/tort.pptx
@@ -4191,909 +4191,6 @@
     </a:fmtScheme>
   </a:themeElements>
   <a:objectDefaults/>
-  <a:extraClrSchemeLst>
-    <a:extraClrScheme>
-      <a:clrScheme name="Office">
-        <a:dk1>
-          <a:sysClr val="windowText" lastClr="000000"/>
-        </a:dk1>
-        <a:lt1>
-          <a:sysClr val="window" lastClr="FFFFFF"/>
-        </a:lt1>
-        <a:dk2>
-          <a:srgbClr val="1F497D"/>
-        </a:dk2>
-        <a:lt2>
-          <a:srgbClr val="EEECE1"/>
-        </a:lt2>
-        <a:accent1>
-          <a:srgbClr val="4F81BD"/>
-        </a:accent1>
-        <a:accent2>
-          <a:srgbClr val="C0504D"/>
-        </a:accent2>
-        <a:accent3>
-          <a:srgbClr val="9BBB59"/>
-        </a:accent3>
-        <a:accent4>
-          <a:srgbClr val="8064A2"/>
-        </a:accent4>
-        <a:accent5>
-          <a:srgbClr val="4BACC6"/>
-        </a:accent5>
-        <a:accent6>
-          <a:srgbClr val="F79646"/>
-        </a:accent6>
-        <a:hlink>
-          <a:srgbClr val="0000FF"/>
-        </a:hlink>
-        <a:folHlink>
-          <a:srgbClr val="800080"/>
-        </a:folHlink>
-      </a:clrScheme>
-      <a:clrMap bg1="lt1" tx1="dk1" bg2="lt2" tx2="dk2" accent1="accent1" accent2="accent2" accent3="accent3" accent4="accent4" accent5="accent5" accent6="accent6" hlink="hlink" folHlink="folHlink"/>
-    </a:extraClrScheme>
-    <a:extraClrScheme>
-      <a:clrScheme name="Grayscale">
-        <a:dk1>
-          <a:sysClr val="windowText" lastClr="000000"/>
-        </a:dk1>
-        <a:lt1>
-          <a:sysClr val="window" lastClr="FFFFFF"/>
-        </a:lt1>
-        <a:dk2>
-          <a:srgbClr val="000000"/>
-        </a:dk2>
-        <a:lt2>
-          <a:srgbClr val="F8F8F8"/>
-        </a:lt2>
-        <a:accent1>
-          <a:srgbClr val="DDDDDD"/>
-        </a:accent1>
-        <a:accent2>
-          <a:srgbClr val="B2B2B2"/>
-        </a:accent2>
-        <a:accent3>
-          <a:srgbClr val="969696"/>
-        </a:accent3>
-        <a:accent4>
-          <a:srgbClr val="808080"/>
-        </a:accent4>
-        <a:accent5>
-          <a:srgbClr val="5F5F5F"/>
-        </a:accent5>
-        <a:accent6>
-          <a:srgbClr val="4D4D4D"/>
-        </a:accent6>
-        <a:hlink>
-          <a:srgbClr val="5F5F5F"/>
-        </a:hlink>
-        <a:folHlink>
-          <a:srgbClr val="919191"/>
-        </a:folHlink>
-      </a:clrScheme>
-      <a:clrMap bg1="lt1" tx1="dk1" bg2="lt2" tx2="dk2" accent1="accent1" accent2="accent2" accent3="accent3" accent4="accent4" accent5="accent5" accent6="accent6" hlink="hlink" folHlink="folHlink"/>
-    </a:extraClrScheme>
-    <a:extraClrScheme>
-      <a:clrScheme name="Apex">
-        <a:dk1>
-          <a:sysClr val="windowText" lastClr="000000"/>
-        </a:dk1>
-        <a:lt1>
-          <a:sysClr val="window" lastClr="FFFFFF"/>
-        </a:lt1>
-        <a:dk2>
-          <a:srgbClr val="69676D"/>
-        </a:dk2>
-        <a:lt2>
-          <a:srgbClr val="C9C2D1"/>
-        </a:lt2>
-        <a:accent1>
-          <a:srgbClr val="CEB966"/>
-        </a:accent1>
-        <a:accent2>
-          <a:srgbClr val="9CB084"/>
-        </a:accent2>
-        <a:accent3>
-          <a:srgbClr val="6BB1C9"/>
-        </a:accent3>
-        <a:accent4>
-          <a:srgbClr val="6585CF"/>
-        </a:accent4>
-        <a:accent5>
-          <a:srgbClr val="7E6BC9"/>
-        </a:accent5>
-        <a:accent6>
-          <a:srgbClr val="A379BB"/>
-        </a:accent6>
-        <a:hlink>
-          <a:srgbClr val="410082"/>
-        </a:hlink>
-        <a:folHlink>
-          <a:srgbClr val="932968"/>
-        </a:folHlink>
-      </a:clrScheme>
-      <a:clrMap bg1="lt1" tx1="dk1" bg2="lt2" tx2="dk2" accent1="accent1" accent2="accent2" accent3="accent3" accent4="accent4" accent5="accent5" accent6="accent6" hlink="hlink" folHlink="folHlink"/>
-    </a:extraClrScheme>
-    <a:extraClrScheme>
-      <a:clrScheme name="Aspect">
-        <a:dk1>
-          <a:sysClr val="windowText" lastClr="000000"/>
-        </a:dk1>
-        <a:lt1>
-          <a:sysClr val="window" lastClr="FFFFFF"/>
-        </a:lt1>
-        <a:dk2>
-          <a:srgbClr val="323232"/>
-        </a:dk2>
-        <a:lt2>
-          <a:srgbClr val="E3DED1"/>
-        </a:lt2>
-        <a:accent1>
-          <a:srgbClr val="F07F09"/>
-        </a:accent1>
-        <a:accent2>
-          <a:srgbClr val="9F2936"/>
-        </a:accent2>
-        <a:accent3>
-          <a:srgbClr val="1B587C"/>
-        </a:accent3>
-        <a:accent4>
-          <a:srgbClr val="4E8542"/>
-        </a:accent4>
-        <a:accent5>
-          <a:srgbClr val="604878"/>
-        </a:accent5>
-        <a:accent6>
-          <a:srgbClr val="C19859"/>
-        </a:accent6>
-        <a:hlink>
-          <a:srgbClr val="6B9F25"/>
-        </a:hlink>
-        <a:folHlink>
-          <a:srgbClr val="B26B02"/>
-        </a:folHlink>
-      </a:clrScheme>
-      <a:clrMap bg1="lt1" tx1="dk1" bg2="lt2" tx2="dk2" accent1="accent1" accent2="accent2" accent3="accent3" accent4="accent4" accent5="accent5" accent6="accent6" hlink="hlink" folHlink="folHlink"/>
-    </a:extraClrScheme>
-    <a:extraClrScheme>
-      <a:clrScheme name="Civic">
-        <a:dk1>
-          <a:sysClr val="windowText" lastClr="000000"/>
-        </a:dk1>
-        <a:lt1>
-          <a:sysClr val="window" lastClr="FFFFFF"/>
-        </a:lt1>
-        <a:dk2>
-          <a:srgbClr val="646B86"/>
-        </a:dk2>
-        <a:lt2>
-          <a:srgbClr val="C5D1D7"/>
-        </a:lt2>
-        <a:accent1>
-          <a:srgbClr val="D16349"/>
-        </a:accent1>
-        <a:accent2>
-          <a:srgbClr val="CCB400"/>
-        </a:accent2>
-        <a:accent3>
-          <a:srgbClr val="8CADAE"/>
-        </a:accent3>
-        <a:accent4>
-          <a:srgbClr val="8C7B70"/>
-        </a:accent4>
-        <a:accent5>
-          <a:srgbClr val="8FB08C"/>
-        </a:accent5>
-        <a:accent6>
-          <a:srgbClr val="D19049"/>
-        </a:accent6>
-        <a:hlink>
-          <a:srgbClr val="00A3D6"/>
-        </a:hlink>
-        <a:folHlink>
-          <a:srgbClr val="694F07"/>
-        </a:folHlink>
-      </a:clrScheme>
-      <a:clrMap bg1="lt1" tx1="dk1" bg2="lt2" tx2="dk2" accent1="accent1" accent2="accent2" accent3="accent3" accent4="accent4" accent5="accent5" accent6="accent6" hlink="hlink" folHlink="folHlink"/>
-    </a:extraClrScheme>
-    <a:extraClrScheme>
-      <a:clrScheme name="Concourse">
-        <a:dk1>
-          <a:sysClr val="windowText" lastClr="000000"/>
-        </a:dk1>
-        <a:lt1>
-          <a:sysClr val="window" lastClr="FFFFFF"/>
-        </a:lt1>
-        <a:dk2>
-          <a:srgbClr val="464646"/>
-        </a:dk2>
-        <a:lt2>
-          <a:srgbClr val="DEF5FA"/>
-        </a:lt2>
-        <a:accent1>
-          <a:srgbClr val="2DA2BF"/>
-        </a:accent1>
-        <a:accent2>
-          <a:srgbClr val="DA1F28"/>
-        </a:accent2>
-        <a:accent3>
-          <a:srgbClr val="EB641B"/>
-        </a:accent3>
-        <a:accent4>
-          <a:srgbClr val="39639D"/>
-        </a:accent4>
-        <a:accent5>
-          <a:srgbClr val="474B78"/>
-        </a:accent5>
-        <a:accent6>
-          <a:srgbClr val="7D3C4A"/>
-        </a:accent6>
-        <a:hlink>
-          <a:srgbClr val="FF8119"/>
-        </a:hlink>
-        <a:folHlink>
-          <a:srgbClr val="44B9E8"/>
-        </a:folHlink>
-      </a:clrScheme>
-      <a:clrMap bg1="lt1" tx1="dk1" bg2="lt2" tx2="dk2" accent1="accent1" accent2="accent2" accent3="accent3" accent4="accent4" accent5="accent5" accent6="accent6" hlink="hlink" folHlink="folHlink"/>
-    </a:extraClrScheme>
-    <a:extraClrScheme>
-      <a:clrScheme name="Equity">
-        <a:dk1>
-          <a:sysClr val="windowText" lastClr="000000"/>
-        </a:dk1>
-        <a:lt1>
-          <a:sysClr val="window" lastClr="FFFFFF"/>
-        </a:lt1>
-        <a:dk2>
-          <a:srgbClr val="696464"/>
-        </a:dk2>
-        <a:lt2>
-          <a:srgbClr val="E9E5DC"/>
-        </a:lt2>
-        <a:accent1>
-          <a:srgbClr val="D34817"/>
-        </a:accent1>
-        <a:accent2>
-          <a:srgbClr val="9B2D1F"/>
-        </a:accent2>
-        <a:accent3>
-          <a:srgbClr val="A28E6A"/>
-        </a:accent3>
-        <a:accent4>
-          <a:srgbClr val="956251"/>
-        </a:accent4>
-        <a:accent5>
-          <a:srgbClr val="918485"/>
-        </a:accent5>
-        <a:accent6>
-          <a:srgbClr val="855D5D"/>
-        </a:accent6>
-        <a:hlink>
-          <a:srgbClr val="CC9900"/>
-        </a:hlink>
-        <a:folHlink>
-          <a:srgbClr val="96A9A9"/>
-        </a:folHlink>
-      </a:clrScheme>
-      <a:clrMap bg1="lt1" tx1="dk1" bg2="lt2" tx2="dk2" accent1="accent1" accent2="accent2" accent3="accent3" accent4="accent4" accent5="accent5" accent6="accent6" hlink="hlink" folHlink="folHlink"/>
-    </a:extraClrScheme>
-    <a:extraClrScheme>
-      <a:clrScheme name="Flow">
-        <a:dk1>
-          <a:sysClr val="windowText" lastClr="000000"/>
-        </a:dk1>
-        <a:lt1>
-          <a:sysClr val="window" lastClr="FFFFFF"/>
-        </a:lt1>
-        <a:dk2>
-          <a:srgbClr val="04617B"/>
-        </a:dk2>
-        <a:lt2>
-          <a:srgbClr val="DBF5F9"/>
-        </a:lt2>
-        <a:accent1>
-          <a:srgbClr val="0F6FC6"/>
-        </a:accent1>
-        <a:accent2>
-          <a:srgbClr val="009DD9"/>
-        </a:accent2>
-        <a:accent3>
-          <a:srgbClr val="0BD0D9"/>
-        </a:accent3>
-        <a:accent4>
-          <a:srgbClr val="10CF9B"/>
-        </a:accent4>
-        <a:accent5>
-          <a:srgbClr val="7CCA62"/>
-        </a:accent5>
-        <a:accent6>
-          <a:srgbClr val="A5C249"/>
-        </a:accent6>
-        <a:hlink>
-          <a:srgbClr val="F49100"/>
-        </a:hlink>
-        <a:folHlink>
-          <a:srgbClr val="85DFD0"/>
-        </a:folHlink>
-      </a:clrScheme>
-      <a:clrMap bg1="lt1" tx1="dk1" bg2="lt2" tx2="dk2" accent1="accent1" accent2="accent2" accent3="accent3" accent4="accent4" accent5="accent5" accent6="accent6" hlink="hlink" folHlink="folHlink"/>
-    </a:extraClrScheme>
-    <a:extraClrScheme>
-      <a:clrScheme name="Foundry">
-        <a:dk1>
-          <a:sysClr val="windowText" lastClr="000000"/>
-        </a:dk1>
-        <a:lt1>
-          <a:sysClr val="window" lastClr="FFFFFF"/>
-        </a:lt1>
-        <a:dk2>
-          <a:srgbClr val="676A55"/>
-        </a:dk2>
-        <a:lt2>
-          <a:srgbClr val="EAEBDE"/>
-        </a:lt2>
-        <a:accent1>
-          <a:srgbClr val="72A376"/>
-        </a:accent1>
-        <a:accent2>
-          <a:srgbClr val="B0CCB0"/>
-        </a:accent2>
-        <a:accent3>
-          <a:srgbClr val="A8CDD7"/>
-        </a:accent3>
-        <a:accent4>
-          <a:srgbClr val="C0BEAF"/>
-        </a:accent4>
-        <a:accent5>
-          <a:srgbClr val="CEC597"/>
-        </a:accent5>
-        <a:accent6>
-          <a:srgbClr val="E8B7B7"/>
-        </a:accent6>
-        <a:hlink>
-          <a:srgbClr val="DB5353"/>
-        </a:hlink>
-        <a:folHlink>
-          <a:srgbClr val="903638"/>
-        </a:folHlink>
-      </a:clrScheme>
-      <a:clrMap bg1="lt1" tx1="dk1" bg2="lt2" tx2="dk2" accent1="accent1" accent2="accent2" accent3="accent3" accent4="accent4" accent5="accent5" accent6="accent6" hlink="hlink" folHlink="folHlink"/>
-    </a:extraClrScheme>
-    <a:extraClrScheme>
-      <a:clrScheme name="Median">
-        <a:dk1>
-          <a:sysClr val="windowText" lastClr="000000"/>
-        </a:dk1>
-        <a:lt1>
-          <a:sysClr val="window" lastClr="FFFFFF"/>
-        </a:lt1>
-        <a:dk2>
-          <a:srgbClr val="775F55"/>
-        </a:dk2>
-        <a:lt2>
-          <a:srgbClr val="EBDDC3"/>
-        </a:lt2>
-        <a:accent1>
-          <a:srgbClr val="94B6D2"/>
-        </a:accent1>
-        <a:accent2>
-          <a:srgbClr val="DD8047"/>
-        </a:accent2>
-        <a:accent3>
-          <a:srgbClr val="A5AB81"/>
-        </a:accent3>
-        <a:accent4>
-          <a:srgbClr val="D8B25C"/>
-        </a:accent4>
-        <a:accent5>
-          <a:srgbClr val="7BA79D"/>
-        </a:accent5>
-        <a:accent6>
-          <a:srgbClr val="968C8C"/>
-        </a:accent6>
-        <a:hlink>
-          <a:srgbClr val="F7B615"/>
-        </a:hlink>
-        <a:folHlink>
-          <a:srgbClr val="704404"/>
-        </a:folHlink>
-      </a:clrScheme>
-      <a:clrMap bg1="lt1" tx1="dk1" bg2="lt2" tx2="dk2" accent1="accent1" accent2="accent2" accent3="accent3" accent4="accent4" accent5="accent5" accent6="accent6" hlink="hlink" folHlink="folHlink"/>
-    </a:extraClrScheme>
-    <a:extraClrScheme>
-      <a:clrScheme name="Metro">
-        <a:dk1>
-          <a:sysClr val="windowText" lastClr="000000"/>
-        </a:dk1>
-        <a:lt1>
-          <a:sysClr val="window" lastClr="FFFFFF"/>
-        </a:lt1>
-        <a:dk2>
-          <a:srgbClr val="4E5B6F"/>
-        </a:dk2>
-        <a:lt2>
-          <a:srgbClr val="D6ECFF"/>
-        </a:lt2>
-        <a:accent1>
-          <a:srgbClr val="7FD13B"/>
-        </a:accent1>
-        <a:accent2>
-          <a:srgbClr val="EA157A"/>
-        </a:accent2>
-        <a:accent3>
-          <a:srgbClr val="FEB80A"/>
-        </a:accent3>
-        <a:accent4>
-          <a:srgbClr val="00ADDC"/>
-        </a:accent4>
-        <a:accent5>
-          <a:srgbClr val="738AC8"/>
-        </a:accent5>
-        <a:accent6>
-          <a:srgbClr val="1AB39F"/>
-        </a:accent6>
-        <a:hlink>
-          <a:srgbClr val="EB8803"/>
-        </a:hlink>
-        <a:folHlink>
-          <a:srgbClr val="5F7791"/>
-        </a:folHlink>
-      </a:clrScheme>
-      <a:clrMap bg1="lt1" tx1="dk1" bg2="lt2" tx2="dk2" accent1="accent1" accent2="accent2" accent3="accent3" accent4="accent4" accent5="accent5" accent6="accent6" hlink="hlink" folHlink="folHlink"/>
-    </a:extraClrScheme>
-    <a:extraClrScheme>
-      <a:clrScheme name="Module">
-        <a:dk1>
-          <a:sysClr val="windowText" lastClr="000000"/>
-        </a:dk1>
-        <a:lt1>
-          <a:sysClr val="window" lastClr="FFFFFF"/>
-        </a:lt1>
-        <a:dk2>
-          <a:srgbClr val="5A6378"/>
-        </a:dk2>
-        <a:lt2>
-          <a:srgbClr val="D4D4D6"/>
-        </a:lt2>
-        <a:accent1>
-          <a:srgbClr val="F0AD00"/>
-        </a:accent1>
-        <a:accent2>
-          <a:srgbClr val="60B5CC"/>
-        </a:accent2>
-        <a:accent3>
-          <a:srgbClr val="E66C7D"/>
-        </a:accent3>
-        <a:accent4>
-          <a:srgbClr val="6BB76D"/>
-        </a:accent4>
-        <a:accent5>
-          <a:srgbClr val="E88651"/>
-        </a:accent5>
-        <a:accent6>
-          <a:srgbClr val="C64847"/>
-        </a:accent6>
-        <a:hlink>
-          <a:srgbClr val="168BBA"/>
-        </a:hlink>
-        <a:folHlink>
-          <a:srgbClr val="680000"/>
-        </a:folHlink>
-      </a:clrScheme>
-      <a:clrMap bg1="lt1" tx1="dk1" bg2="lt2" tx2="dk2" accent1="accent1" accent2="accent2" accent3="accent3" accent4="accent4" accent5="accent5" accent6="accent6" hlink="hlink" folHlink="folHlink"/>
-    </a:extraClrScheme>
-    <a:extraClrScheme>
-      <a:clrScheme name="Opulent">
-        <a:dk1>
-          <a:sysClr val="windowText" lastClr="000000"/>
-        </a:dk1>
-        <a:lt1>
-          <a:sysClr val="window" lastClr="FFFFFF"/>
-        </a:lt1>
-        <a:dk2>
-          <a:srgbClr val="B13F9A"/>
-        </a:dk2>
-        <a:lt2>
-          <a:srgbClr val="F4E7ED"/>
-        </a:lt2>
-        <a:accent1>
-          <a:srgbClr val="B83D68"/>
-        </a:accent1>
-        <a:accent2>
-          <a:srgbClr val="AC66BB"/>
-        </a:accent2>
-        <a:accent3>
-          <a:srgbClr val="DE6C36"/>
-        </a:accent3>
-        <a:accent4>
-          <a:srgbClr val="F9B639"/>
-        </a:accent4>
-        <a:accent5>
-          <a:srgbClr val="CF6DA4"/>
-        </a:accent5>
-        <a:accent6>
-          <a:srgbClr val="FA8D3D"/>
-        </a:accent6>
-        <a:hlink>
-          <a:srgbClr val="FFDE66"/>
-        </a:hlink>
-        <a:folHlink>
-          <a:srgbClr val="D490C5"/>
-        </a:folHlink>
-      </a:clrScheme>
-      <a:clrMap bg1="lt1" tx1="dk1" bg2="lt2" tx2="dk2" accent1="accent1" accent2="accent2" accent3="accent3" accent4="accent4" accent5="accent5" accent6="accent6" hlink="hlink" folHlink="folHlink"/>
-    </a:extraClrScheme>
-    <a:extraClrScheme>
-      <a:clrScheme name="Oriel">
-        <a:dk1>
-          <a:sysClr val="windowText" lastClr="000000"/>
-        </a:dk1>
-        <a:lt1>
-          <a:sysClr val="window" lastClr="FFFFFF"/>
-        </a:lt1>
-        <a:dk2>
-          <a:srgbClr val="575F6D"/>
-        </a:dk2>
-        <a:lt2>
-          <a:srgbClr val="FFF39D"/>
-        </a:lt2>
-        <a:accent1>
-          <a:srgbClr val="FE8637"/>
-        </a:accent1>
-        <a:accent2>
-          <a:srgbClr val="7598D9"/>
-        </a:accent2>
-        <a:accent3>
-          <a:srgbClr val="B32C16"/>
-        </a:accent3>
-        <a:accent4>
-          <a:srgbClr val="F5CD2D"/>
-        </a:accent4>
-        <a:accent5>
-          <a:srgbClr val="AEBAD5"/>
-        </a:accent5>
-        <a:accent6>
-          <a:srgbClr val="777C84"/>
-        </a:accent6>
-        <a:hlink>
-          <a:srgbClr val="D2611C"/>
-        </a:hlink>
-        <a:folHlink>
-          <a:srgbClr val="3B435B"/>
-        </a:folHlink>
-      </a:clrScheme>
-      <a:clrMap bg1="lt1" tx1="dk1" bg2="lt2" tx2="dk2" accent1="accent1" accent2="accent2" accent3="accent3" accent4="accent4" accent5="accent5" accent6="accent6" hlink="hlink" folHlink="folHlink"/>
-    </a:extraClrScheme>
-    <a:extraClrScheme>
-      <a:clrScheme name="Origin">
-        <a:dk1>
-          <a:sysClr val="windowText" lastClr="000000"/>
-        </a:dk1>
-        <a:lt1>
-          <a:sysClr val="window" lastClr="FFFFFF"/>
-        </a:lt1>
-        <a:dk2>
-          <a:srgbClr val="464653"/>
-        </a:dk2>
-        <a:lt2>
-          <a:srgbClr val="DDE9EC"/>
-        </a:lt2>
-        <a:accent1>
-          <a:srgbClr val="727CA3"/>
-        </a:accent1>
-        <a:accent2>
-          <a:srgbClr val="9FB8CD"/>
-        </a:accent2>
-        <a:accent3>
-          <a:srgbClr val="D2DA7A"/>
-        </a:accent3>
-        <a:accent4>
-          <a:srgbClr val="FADA7A"/>
-        </a:accent4>
-        <a:accent5>
-          <a:srgbClr val="B88472"/>
-        </a:accent5>
-        <a:accent6>
-          <a:srgbClr val="8E736A"/>
-        </a:accent6>
-        <a:hlink>
-          <a:srgbClr val="B292CA"/>
-        </a:hlink>
-        <a:folHlink>
-          <a:srgbClr val="6B5680"/>
-        </a:folHlink>
-      </a:clrScheme>
-      <a:clrMap bg1="lt1" tx1="dk1" bg2="lt2" tx2="dk2" accent1="accent1" accent2="accent2" accent3="accent3" accent4="accent4" accent5="accent5" accent6="accent6" hlink="hlink" folHlink="folHlink"/>
-    </a:extraClrScheme>
-    <a:extraClrScheme>
-      <a:clrScheme name="Paper">
-        <a:dk1>
-          <a:sysClr val="windowText" lastClr="000000"/>
-        </a:dk1>
-        <a:lt1>
-          <a:sysClr val="window" lastClr="FFFFFF"/>
-        </a:lt1>
-        <a:dk2>
-          <a:srgbClr val="444D26"/>
-        </a:dk2>
-        <a:lt2>
-          <a:srgbClr val="FEFAC9"/>
-        </a:lt2>
-        <a:accent1>
-          <a:srgbClr val="A5B592"/>
-        </a:accent1>
-        <a:accent2>
-          <a:srgbClr val="F3A447"/>
-        </a:accent2>
-        <a:accent3>
-          <a:srgbClr val="E7BC29"/>
-        </a:accent3>
-        <a:accent4>
-          <a:srgbClr val="D092A7"/>
-        </a:accent4>
-        <a:accent5>
-          <a:srgbClr val="9C85C0"/>
-        </a:accent5>
-        <a:accent6>
-          <a:srgbClr val="809EC2"/>
-        </a:accent6>
-        <a:hlink>
-          <a:srgbClr val="8E58B6"/>
-        </a:hlink>
-        <a:folHlink>
-          <a:srgbClr val="7F6F6F"/>
-        </a:folHlink>
-      </a:clrScheme>
-      <a:clrMap bg1="lt1" tx1="dk1" bg2="lt2" tx2="dk2" accent1="accent1" accent2="accent2" accent3="accent3" accent4="accent4" accent5="accent5" accent6="accent6" hlink="hlink" folHlink="folHlink"/>
-    </a:extraClrScheme>
-    <a:extraClrScheme>
-      <a:clrScheme name="Solstice">
-        <a:dk1>
-          <a:sysClr val="windowText" lastClr="000000"/>
-        </a:dk1>
-        <a:lt1>
-          <a:sysClr val="window" lastClr="FFFFFF"/>
-        </a:lt1>
-        <a:dk2>
-          <a:srgbClr val="4F271C"/>
-        </a:dk2>
-        <a:lt2>
-          <a:srgbClr val="E7DEC9"/>
-        </a:lt2>
-        <a:accent1>
-          <a:srgbClr val="3891A7"/>
-        </a:accent1>
-        <a:accent2>
-          <a:srgbClr val="FEB80A"/>
-        </a:accent2>
-        <a:accent3>
-          <a:srgbClr val="C32D2E"/>
-        </a:accent3>
-        <a:accent4>
-          <a:srgbClr val="84AA33"/>
-        </a:accent4>
-        <a:accent5>
-          <a:srgbClr val="964305"/>
-        </a:accent5>
-        <a:accent6>
-          <a:srgbClr val="475A8D"/>
-        </a:accent6>
-        <a:hlink>
-          <a:srgbClr val="8DC765"/>
-        </a:hlink>
-        <a:folHlink>
-          <a:srgbClr val="AA8A14"/>
-        </a:folHlink>
-      </a:clrScheme>
-      <a:clrMap bg1="lt1" tx1="dk1" bg2="lt2" tx2="dk2" accent1="accent1" accent2="accent2" accent3="accent3" accent4="accent4" accent5="accent5" accent6="accent6" hlink="hlink" folHlink="folHlink"/>
-    </a:extraClrScheme>
-    <a:extraClrScheme>
-      <a:clrScheme name="Technic">
-        <a:dk1>
-          <a:sysClr val="windowText" lastClr="000000"/>
-        </a:dk1>
-        <a:lt1>
-          <a:sysClr val="window" lastClr="FFFFFF"/>
-        </a:lt1>
-        <a:dk2>
-          <a:srgbClr val="3B3B3B"/>
-        </a:dk2>
-        <a:lt2>
-          <a:srgbClr val="D4D2D0"/>
-        </a:lt2>
-        <a:accent1>
-          <a:srgbClr val="6EA0B0"/>
-        </a:accent1>
-        <a:accent2>
-          <a:srgbClr val="CCAF0A"/>
-        </a:accent2>
-        <a:accent3>
-          <a:srgbClr val="8D89A4"/>
-        </a:accent3>
-        <a:accent4>
-          <a:srgbClr val="748560"/>
-        </a:accent4>
-        <a:accent5>
-          <a:srgbClr val="9E9273"/>
-        </a:accent5>
-        <a:accent6>
-          <a:srgbClr val="7E848D"/>
-        </a:accent6>
-        <a:hlink>
-          <a:srgbClr val="00C8C3"/>
-        </a:hlink>
-        <a:folHlink>
-          <a:srgbClr val="A116E0"/>
-        </a:folHlink>
-      </a:clrScheme>
-      <a:clrMap bg1="lt1" tx1="dk1" bg2="lt2" tx2="dk2" accent1="accent1" accent2="accent2" accent3="accent3" accent4="accent4" accent5="accent5" accent6="accent6" hlink="hlink" folHlink="folHlink"/>
-    </a:extraClrScheme>
-    <a:extraClrScheme>
-      <a:clrScheme name="Trek">
-        <a:dk1>
-          <a:sysClr val="windowText" lastClr="000000"/>
-        </a:dk1>
-        <a:lt1>
-          <a:sysClr val="window" lastClr="FFFFFF"/>
-        </a:lt1>
-        <a:dk2>
-          <a:srgbClr val="4E3B30"/>
-        </a:dk2>
-        <a:lt2>
-          <a:srgbClr val="FBEEC9"/>
-        </a:lt2>
-        <a:accent1>
-          <a:srgbClr val="F0A22E"/>
-        </a:accent1>
-        <a:accent2>
-          <a:srgbClr val="A5644E"/>
-        </a:accent2>
-        <a:accent3>
-          <a:srgbClr val="B58B80"/>
-        </a:accent3>
-        <a:accent4>
-          <a:srgbClr val="C3986D"/>
-        </a:accent4>
-        <a:accent5>
-          <a:srgbClr val="A19574"/>
-        </a:accent5>
-        <a:accent6>
-          <a:srgbClr val="C17529"/>
-        </a:accent6>
-        <a:hlink>
-          <a:srgbClr val="AD1F1F"/>
-        </a:hlink>
-        <a:folHlink>
-          <a:srgbClr val="FFC42F"/>
-        </a:folHlink>
-      </a:clrScheme>
-      <a:clrMap bg1="lt1" tx1="dk1" bg2="lt2" tx2="dk2" accent1="accent1" accent2="accent2" accent3="accent3" accent4="accent4" accent5="accent5" accent6="accent6" hlink="hlink" folHlink="folHlink"/>
-    </a:extraClrScheme>
-    <a:extraClrScheme>
-      <a:clrScheme name="Urban">
-        <a:dk1>
-          <a:sysClr val="windowText" lastClr="000000"/>
-        </a:dk1>
-        <a:lt1>
-          <a:sysClr val="window" lastClr="FFFFFF"/>
-        </a:lt1>
-        <a:dk2>
-          <a:srgbClr val="424456"/>
-        </a:dk2>
-        <a:lt2>
-          <a:srgbClr val="DEDEDE"/>
-        </a:lt2>
-        <a:accent1>
-          <a:srgbClr val="53548A"/>
-        </a:accent1>
-        <a:accent2>
-          <a:srgbClr val="438086"/>
-        </a:accent2>
-        <a:accent3>
-          <a:srgbClr val="A04DA3"/>
-        </a:accent3>
-        <a:accent4>
-          <a:srgbClr val="C4652D"/>
-        </a:accent4>
-        <a:accent5>
-          <a:srgbClr val="8B5D3D"/>
-        </a:accent5>
-        <a:accent6>
-          <a:srgbClr val="5C92B5"/>
-        </a:accent6>
-        <a:hlink>
-          <a:srgbClr val="67AFBD"/>
-        </a:hlink>
-        <a:folHlink>
-          <a:srgbClr val="C2A874"/>
-        </a:folHlink>
-      </a:clrScheme>
-      <a:clrMap bg1="lt1" tx1="dk1" bg2="lt2" tx2="dk2" accent1="accent1" accent2="accent2" accent3="accent3" accent4="accent4" accent5="accent5" accent6="accent6" hlink="hlink" folHlink="folHlink"/>
-    </a:extraClrScheme>
-    <a:extraClrScheme>
-      <a:clrScheme name="Verve">
-        <a:dk1>
-          <a:sysClr val="windowText" lastClr="000000"/>
-        </a:dk1>
-        <a:lt1>
-          <a:sysClr val="window" lastClr="FFFFFF"/>
-        </a:lt1>
-        <a:dk2>
-          <a:srgbClr val="666666"/>
-        </a:dk2>
-        <a:lt2>
-          <a:srgbClr val="D2D2D2"/>
-        </a:lt2>
-        <a:accent1>
-          <a:srgbClr val="FF388C"/>
-        </a:accent1>
-        <a:accent2>
-          <a:srgbClr val="E40059"/>
-        </a:accent2>
-        <a:accent3>
-          <a:srgbClr val="9C007F"/>
-        </a:accent3>
-        <a:accent4>
-          <a:srgbClr val="68007F"/>
-        </a:accent4>
-        <a:accent5>
-          <a:srgbClr val="005BD3"/>
-        </a:accent5>
-        <a:accent6>
-          <a:srgbClr val="00349E"/>
-        </a:accent6>
-        <a:hlink>
-          <a:srgbClr val="17BBFD"/>
-        </a:hlink>
-        <a:folHlink>
-          <a:srgbClr val="FF79C2"/>
-        </a:folHlink>
-      </a:clrScheme>
-      <a:clrMap bg1="lt1" tx1="dk1" bg2="lt2" tx2="dk2" accent1="accent1" accent2="accent2" accent3="accent3" accent4="accent4" accent5="accent5" accent6="accent6" hlink="hlink" folHlink="folHlink"/>
-    </a:extraClrScheme>
-    <a:extraClrScheme>
-      <a:clrScheme name="Custom">
-        <a:dk1>
-          <a:srgbClr val="0F243E"/>
-        </a:dk1>
-        <a:lt1>
-          <a:sysClr val="window" lastClr="FFFFFF"/>
-        </a:lt1>
-        <a:dk2>
-          <a:srgbClr val="1F497D"/>
-        </a:dk2>
-        <a:lt2>
-          <a:srgbClr val="EEECE1"/>
-        </a:lt2>
-        <a:accent1>
-          <a:srgbClr val="0000FF"/>
-        </a:accent1>
-        <a:accent2>
-          <a:srgbClr val="FE19FF"/>
-        </a:accent2>
-        <a:accent3>
-          <a:srgbClr val="00B050"/>
-        </a:accent3>
-        <a:accent4>
-          <a:srgbClr val="FF0000"/>
-        </a:accent4>
-        <a:accent5>
-          <a:srgbClr val="4BACC6"/>
-        </a:accent5>
-        <a:accent6>
-          <a:srgbClr val="FFFF00"/>
-        </a:accent6>
-        <a:hlink>
-          <a:srgbClr val="548DD4"/>
-        </a:hlink>
-        <a:folHlink>
-          <a:srgbClr val="FE19FF"/>
-        </a:folHlink>
-      </a:clrScheme>
-      <a:clrMap bg1="lt1" tx1="dk1" bg2="lt2" tx2="dk2" accent1="accent1" accent2="accent2" accent3="accent3" accent4="accent4" accent5="accent5" accent6="accent6" hlink="hlink" folHlink="folHlink"/>
-    </a:extraClrScheme>
-  </a:extraClrSchemeLst>
+  <a:extraClrSchemeLst/>
 </a:theme>
 </file>
--- a/PowerPoint/themes/theme10/tort.pptx
+++ b/PowerPoint/themes/theme10/tort.pptx
@@ -109,7 +109,7 @@
 
 <file path=ppt/slideLayouts/slideLayout1.xml><?xml version="1.0" encoding="utf-8"?>
 <p:sldLayout xmlns:a="http://schemas.openxmlformats.org/drawingml/2006/main" xmlns:r="http://schemas.openxmlformats.org/officeDocument/2006/relationships" xmlns:p="http://schemas.openxmlformats.org/presentationml/2006/main" showMasterSp="0" type="title" preserve="1" userDrawn="1">
-  <p:cSld name="Титульный слайд">
+  <p:cSld name="Title Slide">
     <p:spTree>
       <p:nvGrpSpPr>
         <p:cNvPr id="1" name=""/>
@@ -812,7 +812,7 @@
 
 <file path=ppt/slideLayouts/slideLayout10.xml><?xml version="1.0" encoding="utf-8"?>
 <p:sldLayout xmlns:a="http://schemas.openxmlformats.org/drawingml/2006/main" xmlns:r="http://schemas.openxmlformats.org/officeDocument/2006/relationships" xmlns:p="http://schemas.openxmlformats.org/presentationml/2006/main" type="vertTx" preserve="1">
-  <p:cSld name="Заголовок и вертикальный текст">
+  <p:cSld name="Title and Vertical Text">
     <p:spTree>
       <p:nvGrpSpPr>
         <p:cNvPr id="1" name=""/>
@@ -982,7 +982,7 @@
 
 <file path=ppt/slideLayouts/slideLayout11.xml><?xml version="1.0" encoding="utf-8"?>
 <p:sldLayout xmlns:a="http://schemas.openxmlformats.org/drawingml/2006/main" xmlns:r="http://schemas.openxmlformats.org/officeDocument/2006/relationships" xmlns:p="http://schemas.openxmlformats.org/presentationml/2006/main" type="vertTitleAndTx" preserve="1">
-  <p:cSld name="Вертикальный заголовок и текст">
+  <p:cSld name="Vertical Title and Text">
     <p:spTree>
       <p:nvGrpSpPr>
         <p:cNvPr id="1" name=""/>
@@ -1166,7 +1166,7 @@
 
 <file path=ppt/slideLayouts/slideLayout2.xml><?xml version="1.0" encoding="utf-8"?>
 <p:sldLayout xmlns:a="http://schemas.openxmlformats.org/drawingml/2006/main" xmlns:r="http://schemas.openxmlformats.org/officeDocument/2006/relationships" xmlns:p="http://schemas.openxmlformats.org/presentationml/2006/main" type="obj" preserve="1">
-  <p:cSld name="Заголовок и объект">
+  <p:cSld name="Title and Content">
     <p:spTree>
       <p:nvGrpSpPr>
         <p:cNvPr id="1" name=""/>
@@ -1336,7 +1336,7 @@
 
 <file path=ppt/slideLayouts/slideLayout3.xml><?xml version="1.0" encoding="utf-8"?>
 <p:sldLayout xmlns:a="http://schemas.openxmlformats.org/drawingml/2006/main" xmlns:r="http://schemas.openxmlformats.org/officeDocument/2006/relationships" xmlns:p="http://schemas.openxmlformats.org/presentationml/2006/main" type="secHead" preserve="1">
-  <p:cSld name="Заголовок раздела">
+  <p:cSld name="Section Header">
     <p:spTree>
       <p:nvGrpSpPr>
         <p:cNvPr id="1" name=""/>
@@ -1582,7 +1582,7 @@
 
 <file path=ppt/slideLayouts/slideLayout4.xml><?xml version="1.0" encoding="utf-8"?>
 <p:sldLayout xmlns:a="http://schemas.openxmlformats.org/drawingml/2006/main" xmlns:r="http://schemas.openxmlformats.org/officeDocument/2006/relationships" xmlns:p="http://schemas.openxmlformats.org/presentationml/2006/main" type="twoObj" preserve="1">
-  <p:cSld name="Два объекта">
+  <p:cSld name="Two Content">
     <p:spTree>
       <p:nvGrpSpPr>
         <p:cNvPr id="1" name=""/>
@@ -1870,7 +1870,7 @@
 
 <file path=ppt/slideLayouts/slideLayout5.xml><?xml version="1.0" encoding="utf-8"?>
 <p:sldLayout xmlns:a="http://schemas.openxmlformats.org/drawingml/2006/main" xmlns:r="http://schemas.openxmlformats.org/officeDocument/2006/relationships" xmlns:p="http://schemas.openxmlformats.org/presentationml/2006/main" type="twoTxTwoObj" preserve="1">
-  <p:cSld name="Сравнение">
+  <p:cSld name="Comparison">
     <p:spTree>
       <p:nvGrpSpPr>
         <p:cNvPr id="1" name=""/>
@@ -2292,7 +2292,7 @@
 
 <file path=ppt/slideLayouts/slideLayout6.xml><?xml version="1.0" encoding="utf-8"?>
 <p:sldLayout xmlns:a="http://schemas.openxmlformats.org/drawingml/2006/main" xmlns:r="http://schemas.openxmlformats.org/officeDocument/2006/relationships" xmlns:p="http://schemas.openxmlformats.org/presentationml/2006/main" type="titleOnly" preserve="1">
-  <p:cSld name="Только заголовок">
+  <p:cSld name="Title Only">
     <p:spTree>
       <p:nvGrpSpPr>
         <p:cNvPr id="1" name=""/>
@@ -2410,7 +2410,7 @@
 
 <file path=ppt/slideLayouts/slideLayout7.xml><?xml version="1.0" encoding="utf-8"?>
 <p:sldLayout xmlns:a="http://schemas.openxmlformats.org/drawingml/2006/main" xmlns:r="http://schemas.openxmlformats.org/officeDocument/2006/relationships" xmlns:p="http://schemas.openxmlformats.org/presentationml/2006/main" type="blank" preserve="1">
-  <p:cSld name="Пустой слайд">
+  <p:cSld name="Blank">
     <p:spTree>
       <p:nvGrpSpPr>
         <p:cNvPr id="1" name=""/>
@@ -2505,7 +2505,7 @@
 
 <file path=ppt/slideLayouts/slideLayout8.xml><?xml version="1.0" encoding="utf-8"?>
 <p:sldLayout xmlns:a="http://schemas.openxmlformats.org/drawingml/2006/main" xmlns:r="http://schemas.openxmlformats.org/officeDocument/2006/relationships" xmlns:p="http://schemas.openxmlformats.org/presentationml/2006/main" type="objTx" preserve="1">
-  <p:cSld name="Объект с подписью">
+  <p:cSld name="Content with Caption">
     <p:spTree>
       <p:nvGrpSpPr>
         <p:cNvPr id="1" name=""/>
@@ -2782,7 +2782,7 @@
 
 <file path=ppt/slideLayouts/slideLayout9.xml><?xml version="1.0" encoding="utf-8"?>
 <p:sldLayout xmlns:a="http://schemas.openxmlformats.org/drawingml/2006/main" xmlns:r="http://schemas.openxmlformats.org/officeDocument/2006/relationships" xmlns:p="http://schemas.openxmlformats.org/presentationml/2006/main" type="picTx" preserve="1">
-  <p:cSld name="Рисунок с подписью">
+  <p:cSld name="Picture with Caption">
     <p:spTree>
       <p:nvGrpSpPr>
         <p:cNvPr id="1" name=""/>
